--- a/block_2/lecture_1/slides.pptx
+++ b/block_2/lecture_1/slides.pptx
@@ -15629,14 +15629,14 @@
             <a:pPr lvl="1"/>
             <a:r>
               <a:rPr/>
-              <a:t>Understand the overall structure of a course</a:t>
+              <a:t>Understand the overall structure of an energy system</a:t>
             </a:r>
           </a:p>
           <a:p>
             <a:pPr lvl="1"/>
             <a:r>
               <a:rPr/>
-              <a:t>Explain the difference between a lecture block, mini-lecture, exercise, tutorial and reading</a:t>
+              <a:t>Explain the difference between a Sankey diagram and a reference energy system</a:t>
             </a:r>
           </a:p>
         </p:txBody>
